--- a/cs521/images/frontfig-cs333.pptx
+++ b/cs521/images/frontfig-cs333.pptx
@@ -243,7 +243,7 @@
           <a:p>
             <a:fld id="{D7D910A4-4A7E-A64C-B749-0494260199A0}" type="datetimeFigureOut">
               <a:rPr lang="en-US" smtClean="0"/>
-              <a:t>9/20/17</a:t>
+              <a:t>2/26/18</a:t>
             </a:fld>
             <a:endParaRPr lang="en-US"/>
           </a:p>
@@ -413,7 +413,7 @@
           <a:p>
             <a:fld id="{D7D910A4-4A7E-A64C-B749-0494260199A0}" type="datetimeFigureOut">
               <a:rPr lang="en-US" smtClean="0"/>
-              <a:t>9/20/17</a:t>
+              <a:t>2/26/18</a:t>
             </a:fld>
             <a:endParaRPr lang="en-US"/>
           </a:p>
@@ -593,7 +593,7 @@
           <a:p>
             <a:fld id="{D7D910A4-4A7E-A64C-B749-0494260199A0}" type="datetimeFigureOut">
               <a:rPr lang="en-US" smtClean="0"/>
-              <a:t>9/20/17</a:t>
+              <a:t>2/26/18</a:t>
             </a:fld>
             <a:endParaRPr lang="en-US"/>
           </a:p>
@@ -763,7 +763,7 @@
           <a:p>
             <a:fld id="{D7D910A4-4A7E-A64C-B749-0494260199A0}" type="datetimeFigureOut">
               <a:rPr lang="en-US" smtClean="0"/>
-              <a:t>9/20/17</a:t>
+              <a:t>2/26/18</a:t>
             </a:fld>
             <a:endParaRPr lang="en-US"/>
           </a:p>
@@ -1009,7 +1009,7 @@
           <a:p>
             <a:fld id="{D7D910A4-4A7E-A64C-B749-0494260199A0}" type="datetimeFigureOut">
               <a:rPr lang="en-US" smtClean="0"/>
-              <a:t>9/20/17</a:t>
+              <a:t>2/26/18</a:t>
             </a:fld>
             <a:endParaRPr lang="en-US"/>
           </a:p>
@@ -1241,7 +1241,7 @@
           <a:p>
             <a:fld id="{D7D910A4-4A7E-A64C-B749-0494260199A0}" type="datetimeFigureOut">
               <a:rPr lang="en-US" smtClean="0"/>
-              <a:t>9/20/17</a:t>
+              <a:t>2/26/18</a:t>
             </a:fld>
             <a:endParaRPr lang="en-US"/>
           </a:p>
@@ -1608,7 +1608,7 @@
           <a:p>
             <a:fld id="{D7D910A4-4A7E-A64C-B749-0494260199A0}" type="datetimeFigureOut">
               <a:rPr lang="en-US" smtClean="0"/>
-              <a:t>9/20/17</a:t>
+              <a:t>2/26/18</a:t>
             </a:fld>
             <a:endParaRPr lang="en-US"/>
           </a:p>
@@ -1726,7 +1726,7 @@
           <a:p>
             <a:fld id="{D7D910A4-4A7E-A64C-B749-0494260199A0}" type="datetimeFigureOut">
               <a:rPr lang="en-US" smtClean="0"/>
-              <a:t>9/20/17</a:t>
+              <a:t>2/26/18</a:t>
             </a:fld>
             <a:endParaRPr lang="en-US"/>
           </a:p>
@@ -1821,7 +1821,7 @@
           <a:p>
             <a:fld id="{D7D910A4-4A7E-A64C-B749-0494260199A0}" type="datetimeFigureOut">
               <a:rPr lang="en-US" smtClean="0"/>
-              <a:t>9/20/17</a:t>
+              <a:t>2/26/18</a:t>
             </a:fld>
             <a:endParaRPr lang="en-US"/>
           </a:p>
@@ -2098,7 +2098,7 @@
           <a:p>
             <a:fld id="{D7D910A4-4A7E-A64C-B749-0494260199A0}" type="datetimeFigureOut">
               <a:rPr lang="en-US" smtClean="0"/>
-              <a:t>9/20/17</a:t>
+              <a:t>2/26/18</a:t>
             </a:fld>
             <a:endParaRPr lang="en-US"/>
           </a:p>
@@ -2351,7 +2351,7 @@
           <a:p>
             <a:fld id="{D7D910A4-4A7E-A64C-B749-0494260199A0}" type="datetimeFigureOut">
               <a:rPr lang="en-US" smtClean="0"/>
-              <a:t>9/20/17</a:t>
+              <a:t>2/26/18</a:t>
             </a:fld>
             <a:endParaRPr lang="en-US"/>
           </a:p>
@@ -2564,7 +2564,7 @@
           <a:p>
             <a:fld id="{D7D910A4-4A7E-A64C-B749-0494260199A0}" type="datetimeFigureOut">
               <a:rPr lang="en-US" smtClean="0"/>
-              <a:t>9/20/17</a:t>
+              <a:t>2/26/18</a:t>
             </a:fld>
             <a:endParaRPr lang="en-US"/>
           </a:p>
@@ -2971,14 +2971,48 @@
       </p:grpSpPr>
       <p:pic>
         <p:nvPicPr>
-          <p:cNvPr id="2" name="Picture 1"/>
+          <p:cNvPr id="8" name="Picture 7"/>
           <p:cNvPicPr>
-            <a:picLocks/>
+            <a:picLocks noChangeAspect="1"/>
+          </p:cNvPicPr>
+          <p:nvPr/>
+        </p:nvPicPr>
+        <p:blipFill rotWithShape="1">
+          <a:blip r:embed="rId2">
+            <a:extLst>
+              <a:ext uri="{28A0092B-C50C-407E-A947-70E740481C1C}">
+                <a14:useLocalDpi xmlns:a14="http://schemas.microsoft.com/office/drawing/2010/main" val="0"/>
+              </a:ext>
+            </a:extLst>
+          </a:blip>
+          <a:srcRect l="53414" b="15720"/>
+          <a:stretch/>
+        </p:blipFill>
+        <p:spPr>
+          <a:xfrm>
+            <a:off x="1613245" y="2954899"/>
+            <a:ext cx="1688254" cy="1664294"/>
+          </a:xfrm>
+          <a:prstGeom prst="hexagon">
+            <a:avLst/>
+          </a:prstGeom>
+          <a:ln w="25400">
+            <a:solidFill>
+              <a:srgbClr val="5B9BD6"/>
+            </a:solidFill>
+          </a:ln>
+        </p:spPr>
+      </p:pic>
+      <p:pic>
+        <p:nvPicPr>
+          <p:cNvPr id="7" name="Picture 6"/>
+          <p:cNvPicPr>
+            <a:picLocks noChangeAspect="1"/>
           </p:cNvPicPr>
           <p:nvPr/>
         </p:nvPicPr>
         <p:blipFill>
-          <a:blip r:embed="rId2">
+          <a:blip r:embed="rId3">
             <a:extLst>
               <a:ext uri="{28A0092B-C50C-407E-A947-70E740481C1C}">
                 <a14:useLocalDpi xmlns:a14="http://schemas.microsoft.com/office/drawing/2010/main" val="0"/>
@@ -2991,7 +3025,146 @@
         </p:blipFill>
         <p:spPr>
           <a:xfrm>
-            <a:off x="4465331" y="1451540"/>
+            <a:off x="8884339" y="2208238"/>
+            <a:ext cx="1727100" cy="1425051"/>
+          </a:xfrm>
+          <a:prstGeom prst="hexagon">
+            <a:avLst/>
+          </a:prstGeom>
+          <a:ln w="25400">
+            <a:solidFill>
+              <a:srgbClr val="FFD15E"/>
+            </a:solidFill>
+          </a:ln>
+        </p:spPr>
+      </p:pic>
+      <p:pic>
+        <p:nvPicPr>
+          <p:cNvPr id="5" name="Picture 4"/>
+          <p:cNvPicPr>
+            <a:picLocks noChangeAspect="1"/>
+          </p:cNvPicPr>
+          <p:nvPr/>
+        </p:nvPicPr>
+        <p:blipFill rotWithShape="1">
+          <a:blip r:embed="rId4">
+            <a:extLst>
+              <a:ext uri="{28A0092B-C50C-407E-A947-70E740481C1C}">
+                <a14:useLocalDpi xmlns:a14="http://schemas.microsoft.com/office/drawing/2010/main" val="0"/>
+              </a:ext>
+            </a:extLst>
+          </a:blip>
+          <a:srcRect b="8200"/>
+          <a:stretch/>
+        </p:blipFill>
+        <p:spPr>
+          <a:xfrm>
+            <a:off x="7390919" y="3014281"/>
+            <a:ext cx="1789915" cy="1511648"/>
+          </a:xfrm>
+          <a:prstGeom prst="hexagon">
+            <a:avLst/>
+          </a:prstGeom>
+          <a:ln w="25400">
+            <a:solidFill>
+              <a:srgbClr val="B8F65B"/>
+            </a:solidFill>
+          </a:ln>
+        </p:spPr>
+      </p:pic>
+      <p:pic>
+        <p:nvPicPr>
+          <p:cNvPr id="6" name="Picture 5"/>
+          <p:cNvPicPr>
+            <a:picLocks noChangeAspect="1"/>
+          </p:cNvPicPr>
+          <p:nvPr/>
+        </p:nvPicPr>
+        <p:blipFill>
+          <a:blip r:embed="rId5">
+            <a:extLst>
+              <a:ext uri="{28A0092B-C50C-407E-A947-70E740481C1C}">
+                <a14:useLocalDpi xmlns:a14="http://schemas.microsoft.com/office/drawing/2010/main" val="0"/>
+              </a:ext>
+            </a:extLst>
+          </a:blip>
+          <a:stretch>
+            <a:fillRect/>
+          </a:stretch>
+        </p:blipFill>
+        <p:spPr>
+          <a:xfrm>
+            <a:off x="5922888" y="3871459"/>
+            <a:ext cx="1700757" cy="1490477"/>
+          </a:xfrm>
+          <a:prstGeom prst="hexagon">
+            <a:avLst/>
+          </a:prstGeom>
+          <a:ln w="25400">
+            <a:solidFill>
+              <a:srgbClr val="5AE1C4"/>
+            </a:solidFill>
+          </a:ln>
+        </p:spPr>
+      </p:pic>
+      <p:pic>
+        <p:nvPicPr>
+          <p:cNvPr id="4" name="Picture 3"/>
+          <p:cNvPicPr>
+            <a:picLocks noChangeAspect="1"/>
+          </p:cNvPicPr>
+          <p:nvPr/>
+        </p:nvPicPr>
+        <p:blipFill>
+          <a:blip r:embed="rId6">
+            <a:extLst>
+              <a:ext uri="{28A0092B-C50C-407E-A947-70E740481C1C}">
+                <a14:useLocalDpi xmlns:a14="http://schemas.microsoft.com/office/drawing/2010/main" val="0"/>
+              </a:ext>
+            </a:extLst>
+          </a:blip>
+          <a:stretch>
+            <a:fillRect/>
+          </a:stretch>
+        </p:blipFill>
+        <p:spPr>
+          <a:xfrm>
+            <a:off x="4469864" y="1474321"/>
+            <a:ext cx="1725604" cy="1426513"/>
+          </a:xfrm>
+          <a:prstGeom prst="hexagon">
+            <a:avLst/>
+          </a:prstGeom>
+          <a:ln w="25400">
+            <a:solidFill>
+              <a:srgbClr val="5AEC68"/>
+            </a:solidFill>
+          </a:ln>
+        </p:spPr>
+      </p:pic>
+      <p:pic>
+        <p:nvPicPr>
+          <p:cNvPr id="2" name="Picture 1"/>
+          <p:cNvPicPr>
+            <a:picLocks/>
+          </p:cNvPicPr>
+          <p:nvPr/>
+        </p:nvPicPr>
+        <p:blipFill>
+          <a:blip r:embed="rId7">
+            <a:extLst>
+              <a:ext uri="{28A0092B-C50C-407E-A947-70E740481C1C}">
+                <a14:useLocalDpi xmlns:a14="http://schemas.microsoft.com/office/drawing/2010/main" val="0"/>
+              </a:ext>
+            </a:extLst>
+          </a:blip>
+          <a:stretch>
+            <a:fillRect/>
+          </a:stretch>
+        </p:blipFill>
+        <p:spPr>
+          <a:xfrm>
+            <a:off x="5053832" y="-3097578"/>
             <a:ext cx="1780916" cy="1490131"/>
           </a:xfrm>
           <a:prstGeom prst="hexagon">
@@ -3013,7 +3186,7 @@
           <p:nvPr/>
         </p:nvPicPr>
         <p:blipFill rotWithShape="1">
-          <a:blip r:embed="rId3">
+          <a:blip r:embed="rId8">
             <a:extLst>
               <a:ext uri="{28A0092B-C50C-407E-A947-70E740481C1C}">
                 <a14:useLocalDpi xmlns:a14="http://schemas.microsoft.com/office/drawing/2010/main" val="0"/>
@@ -3025,7 +3198,7 @@
         </p:blipFill>
         <p:spPr>
           <a:xfrm>
-            <a:off x="1595688" y="2997252"/>
+            <a:off x="3142339" y="-2934282"/>
             <a:ext cx="1670564" cy="1587684"/>
           </a:xfrm>
           <a:prstGeom prst="hexagon">
@@ -3167,7 +3340,7 @@
               </a:spcAft>
             </a:pPr>
             <a:r>
-              <a:rPr lang="en-US" sz="1500" b="1" dirty="0">
+              <a:rPr lang="en-US" sz="1500" b="1" dirty="0" smtClean="0">
                 <a:solidFill>
                   <a:schemeClr val="tx1"/>
                 </a:solidFill>
@@ -3175,8 +3348,16 @@
                 <a:ea typeface="Palatino" charset="0"/>
                 <a:cs typeface="Palatino" charset="0"/>
               </a:rPr>
-              <a:t>Intent Inference</a:t>
-            </a:r>
+              <a:t>Verification &amp; Validation</a:t>
+            </a:r>
+            <a:endParaRPr lang="en-US" sz="1500" b="1" dirty="0">
+              <a:solidFill>
+                <a:schemeClr val="tx1"/>
+              </a:solidFill>
+              <a:latin typeface="Palatino" charset="0"/>
+              <a:ea typeface="Palatino" charset="0"/>
+              <a:cs typeface="Palatino" charset="0"/>
+            </a:endParaRPr>
           </a:p>
         </p:txBody>
       </p:sp>
@@ -3427,7 +3608,7 @@
               </a:spcAft>
             </a:pPr>
             <a:r>
-              <a:rPr lang="en-US" sz="1500" b="1" dirty="0">
+              <a:rPr lang="en-US" sz="1500" b="1" dirty="0" smtClean="0">
                 <a:solidFill>
                   <a:schemeClr val="tx1"/>
                 </a:solidFill>
@@ -3435,8 +3616,16 @@
                 <a:ea typeface="Palatino" charset="0"/>
                 <a:cs typeface="Palatino" charset="0"/>
               </a:rPr>
-              <a:t>Human Robot Interaction</a:t>
-            </a:r>
+              <a:t>AI Safety in Industry</a:t>
+            </a:r>
+            <a:endParaRPr lang="en-US" sz="1500" b="1" dirty="0">
+              <a:solidFill>
+                <a:schemeClr val="tx1"/>
+              </a:solidFill>
+              <a:latin typeface="Palatino" charset="0"/>
+              <a:ea typeface="Palatino" charset="0"/>
+              <a:cs typeface="Palatino" charset="0"/>
+            </a:endParaRPr>
           </a:p>
         </p:txBody>
       </p:sp>
@@ -3501,7 +3690,7 @@
         </p:nvSpPr>
         <p:spPr>
           <a:xfrm>
-            <a:off x="5944290" y="3873542"/>
+            <a:off x="8573044" y="-3439285"/>
             <a:ext cx="1710187" cy="1468246"/>
           </a:xfrm>
           <a:prstGeom prst="hexagon">
@@ -3511,7 +3700,7 @@
             </a:avLst>
           </a:prstGeom>
           <a:blipFill rotWithShape="1">
-            <a:blip r:embed="rId4"/>
+            <a:blip r:embed="rId9"/>
             <a:stretch>
               <a:fillRect/>
             </a:stretch>
@@ -3733,7 +3922,7 @@
               </a:spcAft>
             </a:pPr>
             <a:r>
-              <a:rPr lang="en-US" sz="1400" b="1" dirty="0">
+              <a:rPr lang="en-US" sz="1400" b="1" dirty="0" smtClean="0">
                 <a:solidFill>
                   <a:schemeClr val="tx1"/>
                 </a:solidFill>
@@ -3741,8 +3930,16 @@
                 <a:ea typeface="Palatino" charset="0"/>
                 <a:cs typeface="Palatino" charset="0"/>
               </a:rPr>
-              <a:t>Collaborative Robotics</a:t>
-            </a:r>
+              <a:t>Safety and Fairness</a:t>
+            </a:r>
+            <a:endParaRPr lang="en-US" sz="1400" b="1" dirty="0">
+              <a:solidFill>
+                <a:schemeClr val="tx1"/>
+              </a:solidFill>
+              <a:latin typeface="Palatino" charset="0"/>
+              <a:ea typeface="Palatino" charset="0"/>
+              <a:cs typeface="Palatino" charset="0"/>
+            </a:endParaRPr>
           </a:p>
         </p:txBody>
       </p:sp>
@@ -3981,7 +4178,7 @@
               </a:spcAft>
             </a:pPr>
             <a:r>
-              <a:rPr lang="en-US" sz="1500" b="1" dirty="0">
+              <a:rPr lang="en-US" sz="1500" b="1" dirty="0" smtClean="0">
                 <a:solidFill>
                   <a:schemeClr val="tx1"/>
                 </a:solidFill>
@@ -3989,8 +4186,16 @@
                 <a:ea typeface="Palatino" charset="0"/>
                 <a:cs typeface="Palatino" charset="0"/>
               </a:rPr>
-              <a:t>Formal Methods in Robotics</a:t>
-            </a:r>
+              <a:t>Adversarial Examples</a:t>
+            </a:r>
+            <a:endParaRPr lang="en-US" sz="1500" b="1" dirty="0">
+              <a:solidFill>
+                <a:schemeClr val="tx1"/>
+              </a:solidFill>
+              <a:latin typeface="Palatino" charset="0"/>
+              <a:ea typeface="Palatino" charset="0"/>
+              <a:cs typeface="Palatino" charset="0"/>
+            </a:endParaRPr>
           </a:p>
         </p:txBody>
       </p:sp>
@@ -4055,7 +4260,7 @@
         </p:nvSpPr>
         <p:spPr>
           <a:xfrm>
-            <a:off x="7415993" y="3075523"/>
+            <a:off x="10611439" y="-2991432"/>
             <a:ext cx="1710187" cy="1468246"/>
           </a:xfrm>
           <a:prstGeom prst="hexagon">
@@ -4065,7 +4270,7 @@
             </a:avLst>
           </a:prstGeom>
           <a:blipFill rotWithShape="1">
-            <a:blip r:embed="rId5"/>
+            <a:blip r:embed="rId10"/>
             <a:stretch>
               <a:fillRect/>
             </a:stretch>
@@ -4284,7 +4489,7 @@
               </a:spcAft>
             </a:pPr>
             <a:r>
-              <a:rPr lang="en-US" sz="1500" b="1" dirty="0">
+              <a:rPr lang="en-US" sz="1500" b="1" dirty="0" smtClean="0">
                 <a:solidFill>
                   <a:schemeClr val="tx1"/>
                 </a:solidFill>
@@ -4292,8 +4497,16 @@
                 <a:ea typeface="Palatino" charset="0"/>
                 <a:cs typeface="Palatino" charset="0"/>
               </a:rPr>
-              <a:t>Safe Learning &amp; Control</a:t>
-            </a:r>
+              <a:t>Security</a:t>
+            </a:r>
+            <a:endParaRPr lang="en-US" sz="1500" b="1" dirty="0">
+              <a:solidFill>
+                <a:schemeClr val="tx1"/>
+              </a:solidFill>
+              <a:latin typeface="Palatino" charset="0"/>
+              <a:ea typeface="Palatino" charset="0"/>
+              <a:cs typeface="Palatino" charset="0"/>
+            </a:endParaRPr>
           </a:p>
         </p:txBody>
       </p:sp>
@@ -4358,7 +4571,7 @@
         </p:nvSpPr>
         <p:spPr>
           <a:xfrm>
-            <a:off x="8887697" y="2271641"/>
+            <a:off x="6894595" y="-3432713"/>
             <a:ext cx="1710187" cy="1468246"/>
           </a:xfrm>
           <a:prstGeom prst="hexagon">
@@ -4368,7 +4581,7 @@
             </a:avLst>
           </a:prstGeom>
           <a:blipFill rotWithShape="1">
-            <a:blip r:embed="rId6"/>
+            <a:blip r:embed="rId11"/>
             <a:stretch>
               <a:fillRect/>
             </a:stretch>
